--- a/Visualizing Song Popularity From Spotify.pptx
+++ b/Visualizing Song Popularity From Spotify.pptx
@@ -9,9 +9,8 @@
     <p:sldId id="257" r:id="rId3"/>
     <p:sldId id="258" r:id="rId4"/>
     <p:sldId id="259" r:id="rId5"/>
-    <p:sldId id="260" r:id="rId6"/>
-    <p:sldId id="261" r:id="rId7"/>
-    <p:sldId id="262" r:id="rId8"/>
+    <p:sldId id="261" r:id="rId6"/>
+    <p:sldId id="262" r:id="rId7"/>
   </p:sldIdLst>
   <p:sldSz cx="12192000" cy="6858000"/>
   <p:notesSz cx="6858000" cy="9144000"/>
@@ -110,6 +109,11 @@
       </a:defRPr>
     </a:lvl9pPr>
   </p:defaultTextStyle>
+  <p:extLst>
+    <p:ext uri="{EFAFB233-063F-42B5-8137-9DF3F51BA10A}">
+      <p15:sldGuideLst xmlns:p15="http://schemas.microsoft.com/office/powerpoint/2012/main"/>
+    </p:ext>
+  </p:extLst>
 </p:presentation>
 </file>
 
@@ -358,7 +362,7 @@
           <a:p>
             <a:fld id="{CB1E3A1B-AFBD-4742-AAAA-ABEDE9E532AE}" type="datetimeFigureOut">
               <a:rPr lang="en-CN" smtClean="0"/>
-              <a:t>2025/4/30</a:t>
+              <a:t>2025/10/16</a:t>
             </a:fld>
             <a:endParaRPr lang="en-CN"/>
           </a:p>
@@ -620,7 +624,7 @@
           <a:p>
             <a:fld id="{CB1E3A1B-AFBD-4742-AAAA-ABEDE9E532AE}" type="datetimeFigureOut">
               <a:rPr lang="en-CN" smtClean="0"/>
-              <a:t>2025/4/30</a:t>
+              <a:t>2025/10/16</a:t>
             </a:fld>
             <a:endParaRPr lang="en-CN"/>
           </a:p>
@@ -855,7 +859,7 @@
           <a:p>
             <a:fld id="{CB1E3A1B-AFBD-4742-AAAA-ABEDE9E532AE}" type="datetimeFigureOut">
               <a:rPr lang="en-CN" smtClean="0"/>
-              <a:t>2025/4/30</a:t>
+              <a:t>2025/10/16</a:t>
             </a:fld>
             <a:endParaRPr lang="en-CN"/>
           </a:p>
@@ -1095,7 +1099,7 @@
           <a:p>
             <a:fld id="{CB1E3A1B-AFBD-4742-AAAA-ABEDE9E532AE}" type="datetimeFigureOut">
               <a:rPr lang="en-CN" smtClean="0"/>
-              <a:t>2025/4/30</a:t>
+              <a:t>2025/10/16</a:t>
             </a:fld>
             <a:endParaRPr lang="en-CN"/>
           </a:p>
@@ -1402,7 +1406,7 @@
           <a:p>
             <a:fld id="{CB1E3A1B-AFBD-4742-AAAA-ABEDE9E532AE}" type="datetimeFigureOut">
               <a:rPr lang="en-CN" smtClean="0"/>
-              <a:t>2025/4/30</a:t>
+              <a:t>2025/10/16</a:t>
             </a:fld>
             <a:endParaRPr lang="en-CN"/>
           </a:p>
@@ -1704,7 +1708,7 @@
           <a:p>
             <a:fld id="{CB1E3A1B-AFBD-4742-AAAA-ABEDE9E532AE}" type="datetimeFigureOut">
               <a:rPr lang="en-CN" smtClean="0"/>
-              <a:t>2025/4/30</a:t>
+              <a:t>2025/10/16</a:t>
             </a:fld>
             <a:endParaRPr lang="en-CN"/>
           </a:p>
@@ -2126,7 +2130,7 @@
           <a:p>
             <a:fld id="{CB1E3A1B-AFBD-4742-AAAA-ABEDE9E532AE}" type="datetimeFigureOut">
               <a:rPr lang="en-CN" smtClean="0"/>
-              <a:t>2025/4/30</a:t>
+              <a:t>2025/10/16</a:t>
             </a:fld>
             <a:endParaRPr lang="en-CN"/>
           </a:p>
@@ -2288,7 +2292,7 @@
           <a:p>
             <a:fld id="{CB1E3A1B-AFBD-4742-AAAA-ABEDE9E532AE}" type="datetimeFigureOut">
               <a:rPr lang="en-CN" smtClean="0"/>
-              <a:t>2025/4/30</a:t>
+              <a:t>2025/10/16</a:t>
             </a:fld>
             <a:endParaRPr lang="en-CN"/>
           </a:p>
@@ -2383,7 +2387,7 @@
           <a:p>
             <a:fld id="{CB1E3A1B-AFBD-4742-AAAA-ABEDE9E532AE}" type="datetimeFigureOut">
               <a:rPr lang="en-CN" smtClean="0"/>
-              <a:t>2025/4/30</a:t>
+              <a:t>2025/10/16</a:t>
             </a:fld>
             <a:endParaRPr lang="en-CN"/>
           </a:p>
@@ -2761,7 +2765,7 @@
           <a:p>
             <a:fld id="{CB1E3A1B-AFBD-4742-AAAA-ABEDE9E532AE}" type="datetimeFigureOut">
               <a:rPr lang="en-CN" smtClean="0"/>
-              <a:t>2025/4/30</a:t>
+              <a:t>2025/10/16</a:t>
             </a:fld>
             <a:endParaRPr lang="en-CN"/>
           </a:p>
@@ -3050,7 +3054,7 @@
           <a:p>
             <a:fld id="{CB1E3A1B-AFBD-4742-AAAA-ABEDE9E532AE}" type="datetimeFigureOut">
               <a:rPr lang="en-CN" smtClean="0"/>
-              <a:t>2025/4/30</a:t>
+              <a:t>2025/10/16</a:t>
             </a:fld>
             <a:endParaRPr lang="en-CN"/>
           </a:p>
@@ -3261,7 +3265,7 @@
           <a:p>
             <a:fld id="{CB1E3A1B-AFBD-4742-AAAA-ABEDE9E532AE}" type="datetimeFigureOut">
               <a:rPr lang="en-CN" smtClean="0"/>
-              <a:t>2025/4/30</a:t>
+              <a:t>2025/10/16</a:t>
             </a:fld>
             <a:endParaRPr lang="en-CN"/>
           </a:p>
@@ -3913,225 +3917,6 @@
       </p:sp>
       <p:sp>
         <p:nvSpPr>
-          <p:cNvPr id="3" name="Subtitle 2">
-            <a:extLst>
-              <a:ext uri="{FF2B5EF4-FFF2-40B4-BE49-F238E27FC236}">
-                <a16:creationId xmlns:a16="http://schemas.microsoft.com/office/drawing/2014/main" id="{F5169841-590B-D8AB-2D76-0D1A4CDFB076}"/>
-              </a:ext>
-            </a:extLst>
-          </p:cNvPr>
-          <p:cNvSpPr>
-            <a:spLocks noGrp="1"/>
-          </p:cNvSpPr>
-          <p:nvPr>
-            <p:ph type="subTitle" idx="1"/>
-          </p:nvPr>
-        </p:nvSpPr>
-        <p:spPr>
-          <a:xfrm>
-            <a:off x="581192" y="5247248"/>
-            <a:ext cx="10993546" cy="590321"/>
-          </a:xfrm>
-        </p:spPr>
-        <p:txBody>
-          <a:bodyPr>
-            <a:normAutofit fontScale="92500" lnSpcReduction="20000"/>
-          </a:bodyPr>
-          <a:lstStyle/>
-          <a:p>
-            <a:r>
-              <a:rPr lang="en-US" altLang="zh-CN" dirty="0">
-                <a:solidFill>
-                  <a:schemeClr val="tx1"/>
-                </a:solidFill>
-              </a:rPr>
-              <a:t>Group</a:t>
-            </a:r>
-            <a:r>
-              <a:rPr lang="zh-CN" altLang="en-US" dirty="0">
-                <a:solidFill>
-                  <a:schemeClr val="tx1"/>
-                </a:solidFill>
-              </a:rPr>
-              <a:t> </a:t>
-            </a:r>
-            <a:r>
-              <a:rPr lang="en-US" altLang="zh-CN" dirty="0">
-                <a:solidFill>
-                  <a:schemeClr val="tx1"/>
-                </a:solidFill>
-              </a:rPr>
-              <a:t>5</a:t>
-            </a:r>
-            <a:r>
-              <a:rPr lang="zh-CN" altLang="en-US" dirty="0">
-                <a:solidFill>
-                  <a:schemeClr val="tx1"/>
-                </a:solidFill>
-              </a:rPr>
-              <a:t> </a:t>
-            </a:r>
-            <a:endParaRPr lang="en-US" altLang="zh-CN" dirty="0">
-              <a:solidFill>
-                <a:schemeClr val="tx1"/>
-              </a:solidFill>
-            </a:endParaRPr>
-          </a:p>
-          <a:p>
-            <a:r>
-              <a:rPr lang="en-US" altLang="zh-CN" dirty="0">
-                <a:solidFill>
-                  <a:schemeClr val="tx1"/>
-                </a:solidFill>
-              </a:rPr>
-              <a:t>Group</a:t>
-            </a:r>
-            <a:r>
-              <a:rPr lang="zh-CN" altLang="en-US" dirty="0">
-                <a:solidFill>
-                  <a:schemeClr val="tx1"/>
-                </a:solidFill>
-              </a:rPr>
-              <a:t> </a:t>
-            </a:r>
-            <a:r>
-              <a:rPr lang="en-US" altLang="zh-CN" dirty="0">
-                <a:solidFill>
-                  <a:schemeClr val="tx1"/>
-                </a:solidFill>
-              </a:rPr>
-              <a:t>member</a:t>
-            </a:r>
-            <a:r>
-              <a:rPr lang="zh-CN" altLang="en-US" dirty="0">
-                <a:solidFill>
-                  <a:schemeClr val="tx1"/>
-                </a:solidFill>
-              </a:rPr>
-              <a:t> </a:t>
-            </a:r>
-            <a:r>
-              <a:rPr lang="en-US" altLang="zh-CN" dirty="0">
-                <a:solidFill>
-                  <a:schemeClr val="tx1"/>
-                </a:solidFill>
-              </a:rPr>
-              <a:t>:</a:t>
-            </a:r>
-            <a:r>
-              <a:rPr lang="zh-CN" altLang="en-US" dirty="0">
-                <a:solidFill>
-                  <a:schemeClr val="tx1"/>
-                </a:solidFill>
-              </a:rPr>
-              <a:t> </a:t>
-            </a:r>
-            <a:r>
-              <a:rPr lang="en-US" altLang="zh-CN" dirty="0">
-                <a:solidFill>
-                  <a:schemeClr val="tx1"/>
-                </a:solidFill>
-              </a:rPr>
-              <a:t>Yiyang</a:t>
-            </a:r>
-            <a:r>
-              <a:rPr lang="zh-CN" altLang="en-US" dirty="0">
-                <a:solidFill>
-                  <a:schemeClr val="tx1"/>
-                </a:solidFill>
-              </a:rPr>
-              <a:t> </a:t>
-            </a:r>
-            <a:r>
-              <a:rPr lang="en-US" altLang="zh-CN" dirty="0" err="1">
-                <a:solidFill>
-                  <a:schemeClr val="tx1"/>
-                </a:solidFill>
-              </a:rPr>
-              <a:t>lin</a:t>
-            </a:r>
-            <a:r>
-              <a:rPr lang="en-US" altLang="zh-CN" dirty="0">
-                <a:solidFill>
-                  <a:schemeClr val="tx1"/>
-                </a:solidFill>
-              </a:rPr>
-              <a:t>,</a:t>
-            </a:r>
-            <a:r>
-              <a:rPr lang="zh-CN" altLang="en-US" dirty="0">
-                <a:solidFill>
-                  <a:schemeClr val="tx1"/>
-                </a:solidFill>
-              </a:rPr>
-              <a:t> </a:t>
-            </a:r>
-            <a:r>
-              <a:rPr lang="en-US" altLang="zh-CN" dirty="0">
-                <a:solidFill>
-                  <a:schemeClr val="tx1"/>
-                </a:solidFill>
-              </a:rPr>
-              <a:t>Yingshen</a:t>
-            </a:r>
-            <a:r>
-              <a:rPr lang="zh-CN" altLang="en-US" dirty="0">
-                <a:solidFill>
-                  <a:schemeClr val="tx1"/>
-                </a:solidFill>
-              </a:rPr>
-              <a:t> </a:t>
-            </a:r>
-            <a:r>
-              <a:rPr lang="en-US" altLang="zh-CN" dirty="0">
-                <a:solidFill>
-                  <a:schemeClr val="tx1"/>
-                </a:solidFill>
-              </a:rPr>
-              <a:t>ye,</a:t>
-            </a:r>
-            <a:r>
-              <a:rPr lang="zh-CN" altLang="en-US" dirty="0">
-                <a:solidFill>
-                  <a:schemeClr val="tx1"/>
-                </a:solidFill>
-              </a:rPr>
-              <a:t> </a:t>
-            </a:r>
-            <a:r>
-              <a:rPr lang="en-US" altLang="zh-CN" dirty="0">
-                <a:solidFill>
-                  <a:schemeClr val="tx1"/>
-                </a:solidFill>
-              </a:rPr>
-              <a:t>junyan</a:t>
-            </a:r>
-            <a:r>
-              <a:rPr lang="zh-CN" altLang="en-US" dirty="0">
-                <a:solidFill>
-                  <a:schemeClr val="tx1"/>
-                </a:solidFill>
-              </a:rPr>
-              <a:t> </a:t>
-            </a:r>
-            <a:r>
-              <a:rPr lang="en-US" altLang="zh-CN" dirty="0">
-                <a:solidFill>
-                  <a:schemeClr val="tx1"/>
-                </a:solidFill>
-              </a:rPr>
-              <a:t>dong</a:t>
-            </a:r>
-            <a:endParaRPr lang="en-CN" dirty="0">
-              <a:solidFill>
-                <a:schemeClr val="tx1"/>
-              </a:solidFill>
-            </a:endParaRPr>
-          </a:p>
-        </p:txBody>
-      </p:sp>
-      <p:sp>
-        <p:nvSpPr>
           <p:cNvPr id="6" name="TextBox 5">
             <a:extLst>
               <a:ext uri="{FF2B5EF4-FFF2-40B4-BE49-F238E27FC236}">
@@ -4166,6 +3951,31 @@
               <a:rPr lang="en-US" sz="2800" dirty="0"/>
               <a:t>: Use Tableau to explore patterns in song features, artist popularity, genre distribution, and lyrical content.</a:t>
             </a:r>
+          </a:p>
+        </p:txBody>
+      </p:sp>
+      <p:sp>
+        <p:nvSpPr>
+          <p:cNvPr id="5" name="Subtitle 4">
+            <a:extLst>
+              <a:ext uri="{FF2B5EF4-FFF2-40B4-BE49-F238E27FC236}">
+                <a16:creationId xmlns:a16="http://schemas.microsoft.com/office/drawing/2014/main" id="{3AFAD6D1-0CF4-08CE-5AE7-C588B2135C38}"/>
+              </a:ext>
+            </a:extLst>
+          </p:cNvPr>
+          <p:cNvSpPr>
+            <a:spLocks noGrp="1"/>
+          </p:cNvSpPr>
+          <p:nvPr>
+            <p:ph type="subTitle" idx="1"/>
+          </p:nvPr>
+        </p:nvSpPr>
+        <p:spPr/>
+        <p:txBody>
+          <a:bodyPr/>
+          <a:lstStyle/>
+          <a:p>
+            <a:endParaRPr lang="en-CN"/>
           </a:p>
         </p:txBody>
       </p:sp>
@@ -4352,7 +4162,11 @@
             </a:pPr>
             <a:r>
               <a:rPr lang="en-US" sz="2400" dirty="0"/>
-              <a:t>Audio features: Danceability, Energy, Loudness, </a:t>
+              <a:t>Audio features: Danceability, Energy, Loudness,</a:t>
+            </a:r>
+            <a:r>
+              <a:rPr lang="zh-CN" altLang="en-US" sz="2400" dirty="0"/>
+              <a:t> </a:t>
             </a:r>
             <a:r>
               <a:rPr lang="en-US" sz="2400" dirty="0" err="1"/>
@@ -4360,7 +4174,11 @@
             </a:r>
             <a:r>
               <a:rPr lang="en-US" sz="2400" dirty="0"/>
-              <a:t>, </a:t>
+              <a:t>,</a:t>
+            </a:r>
+            <a:r>
+              <a:rPr lang="zh-CN" altLang="en-US" sz="2400" dirty="0"/>
+              <a:t> </a:t>
             </a:r>
             <a:r>
               <a:rPr lang="en-US" sz="2400" dirty="0" err="1"/>
@@ -5426,105 +5244,6 @@
 </file>
 
 <file path=ppt/slides/slide5.xml><?xml version="1.0" encoding="utf-8"?>
-<p:sld xmlns:a="http://schemas.openxmlformats.org/drawingml/2006/main" xmlns:r="http://schemas.openxmlformats.org/officeDocument/2006/relationships" xmlns:p="http://schemas.openxmlformats.org/presentationml/2006/main">
-  <p:cSld>
-    <p:spTree>
-      <p:nvGrpSpPr>
-        <p:cNvPr id="1" name=""/>
-        <p:cNvGrpSpPr/>
-        <p:nvPr/>
-      </p:nvGrpSpPr>
-      <p:grpSpPr>
-        <a:xfrm>
-          <a:off x="0" y="0"/>
-          <a:ext cx="0" cy="0"/>
-          <a:chOff x="0" y="0"/>
-          <a:chExt cx="0" cy="0"/>
-        </a:xfrm>
-      </p:grpSpPr>
-      <p:sp>
-        <p:nvSpPr>
-          <p:cNvPr id="2" name="Title 1">
-            <a:extLst>
-              <a:ext uri="{FF2B5EF4-FFF2-40B4-BE49-F238E27FC236}">
-                <a16:creationId xmlns:a16="http://schemas.microsoft.com/office/drawing/2014/main" id="{05BD3886-9783-CB62-502B-F4F974E9CE8A}"/>
-              </a:ext>
-            </a:extLst>
-          </p:cNvPr>
-          <p:cNvSpPr>
-            <a:spLocks noGrp="1"/>
-          </p:cNvSpPr>
-          <p:nvPr>
-            <p:ph type="title"/>
-          </p:nvPr>
-        </p:nvSpPr>
-        <p:spPr/>
-        <p:txBody>
-          <a:bodyPr/>
-          <a:lstStyle/>
-          <a:p>
-            <a:r>
-              <a:rPr lang="en-US" b="1" dirty="0">
-                <a:solidFill>
-                  <a:schemeClr val="tx1"/>
-                </a:solidFill>
-              </a:rPr>
-              <a:t>Dashboard 3 - Explicit Content Analysis</a:t>
-            </a:r>
-            <a:br>
-              <a:rPr lang="en-US" dirty="0">
-                <a:solidFill>
-                  <a:schemeClr val="tx1"/>
-                </a:solidFill>
-              </a:rPr>
-            </a:br>
-            <a:endParaRPr lang="en-CN" dirty="0">
-              <a:solidFill>
-                <a:schemeClr val="tx1"/>
-              </a:solidFill>
-            </a:endParaRPr>
-          </a:p>
-        </p:txBody>
-      </p:sp>
-      <p:sp>
-        <p:nvSpPr>
-          <p:cNvPr id="3" name="Content Placeholder 2">
-            <a:extLst>
-              <a:ext uri="{FF2B5EF4-FFF2-40B4-BE49-F238E27FC236}">
-                <a16:creationId xmlns:a16="http://schemas.microsoft.com/office/drawing/2014/main" id="{E451CE44-1C5E-3844-0BFE-FC2C983EEA16}"/>
-              </a:ext>
-            </a:extLst>
-          </p:cNvPr>
-          <p:cNvSpPr>
-            <a:spLocks noGrp="1"/>
-          </p:cNvSpPr>
-          <p:nvPr>
-            <p:ph idx="1"/>
-          </p:nvPr>
-        </p:nvSpPr>
-        <p:spPr/>
-        <p:txBody>
-          <a:bodyPr/>
-          <a:lstStyle/>
-          <a:p>
-            <a:endParaRPr lang="en-CN"/>
-          </a:p>
-        </p:txBody>
-      </p:sp>
-    </p:spTree>
-    <p:extLst>
-      <p:ext uri="{BB962C8B-B14F-4D97-AF65-F5344CB8AC3E}">
-        <p14:creationId xmlns:p14="http://schemas.microsoft.com/office/powerpoint/2010/main" val="1260087399"/>
-      </p:ext>
-    </p:extLst>
-  </p:cSld>
-  <p:clrMapOvr>
-    <a:masterClrMapping/>
-  </p:clrMapOvr>
-</p:sld>
-</file>
-
-<file path=ppt/slides/slide6.xml><?xml version="1.0" encoding="utf-8"?>
 <p:sld xmlns:a="http://schemas.openxmlformats.org/drawingml/2006/main" xmlns:r="http://schemas.openxmlformats.org/officeDocument/2006/relationships" xmlns:p="http://schemas.openxmlformats.org/presentationml/2006/main">
   <p:cSld>
     <p:bg>
@@ -6082,79 +5801,6 @@
               </a:buClr>
               <a:buNone/>
             </a:pPr>
-            <a:r>
-              <a:rPr lang="en-US" dirty="0"/>
-              <a:t>[To be completed — Dashboard 3 </a:t>
-            </a:r>
-          </a:p>
-          <a:p>
-            <a:pPr marL="0" indent="0">
-              <a:lnSpc>
-                <a:spcPct val="90000"/>
-              </a:lnSpc>
-              <a:buClr>
-                <a:srgbClr val="7ADD77"/>
-              </a:buClr>
-              <a:buNone/>
-            </a:pPr>
-            <a:r>
-              <a:rPr lang="en-US" altLang="zh-CN" dirty="0"/>
-              <a:t>The</a:t>
-            </a:r>
-            <a:r>
-              <a:rPr lang="zh-CN" altLang="en-US" dirty="0"/>
-              <a:t> </a:t>
-            </a:r>
-            <a:r>
-              <a:rPr lang="en-US" altLang="zh-CN" dirty="0"/>
-              <a:t>pic</a:t>
-            </a:r>
-            <a:r>
-              <a:rPr lang="zh-CN" altLang="en-US" dirty="0"/>
-              <a:t> </a:t>
-            </a:r>
-            <a:r>
-              <a:rPr lang="en-US" altLang="zh-CN" dirty="0"/>
-              <a:t>should</a:t>
-            </a:r>
-            <a:r>
-              <a:rPr lang="zh-CN" altLang="en-US" dirty="0"/>
-              <a:t> </a:t>
-            </a:r>
-            <a:r>
-              <a:rPr lang="en-US" altLang="zh-CN" dirty="0"/>
-              <a:t>be</a:t>
-            </a:r>
-            <a:r>
-              <a:rPr lang="zh-CN" altLang="en-US" dirty="0"/>
-              <a:t> </a:t>
-            </a:r>
-            <a:r>
-              <a:rPr lang="en-US" altLang="zh-CN" dirty="0"/>
-              <a:t>replaced(completed</a:t>
-            </a:r>
-            <a:r>
-              <a:rPr lang="zh-CN" altLang="en-US" dirty="0"/>
-              <a:t> </a:t>
-            </a:r>
-            <a:r>
-              <a:rPr lang="en-US" altLang="zh-CN" dirty="0"/>
-              <a:t>version)</a:t>
-            </a:r>
-            <a:r>
-              <a:rPr lang="en-US" dirty="0"/>
-              <a:t>]</a:t>
-            </a:r>
-          </a:p>
-          <a:p>
-            <a:pPr>
-              <a:lnSpc>
-                <a:spcPct val="90000"/>
-              </a:lnSpc>
-              <a:buClr>
-                <a:srgbClr val="7ADD77"/>
-              </a:buClr>
-            </a:pPr>
             <a:endParaRPr lang="en-CN" dirty="0"/>
           </a:p>
         </p:txBody>
@@ -6172,7 +5818,7 @@
 </p:sld>
 </file>
 
-<file path=ppt/slides/slide7.xml><?xml version="1.0" encoding="utf-8"?>
+<file path=ppt/slides/slide6.xml><?xml version="1.0" encoding="utf-8"?>
 <p:sld xmlns:a="http://schemas.openxmlformats.org/drawingml/2006/main" xmlns:r="http://schemas.openxmlformats.org/officeDocument/2006/relationships" xmlns:p="http://schemas.openxmlformats.org/presentationml/2006/main">
   <p:cSld>
     <p:spTree>
@@ -6248,7 +5894,7 @@
         <p:spPr/>
         <p:txBody>
           <a:bodyPr>
-            <a:normAutofit fontScale="92500" lnSpcReduction="10000"/>
+            <a:normAutofit/>
           </a:bodyPr>
           <a:lstStyle/>
           <a:p>
@@ -6324,80 +5970,6 @@
               <a:rPr lang="en-US" b="1" dirty="0"/>
               <a:t>Popularity often comes from a small number of breakout songs per artist</a:t>
             </a:r>
-          </a:p>
-          <a:p>
-            <a:pPr>
-              <a:buFont typeface="Arial" panose="020B0604020202020204" pitchFamily="34" charset="0"/>
-              <a:buChar char="•"/>
-            </a:pPr>
-            <a:endParaRPr lang="en-US" dirty="0"/>
-          </a:p>
-          <a:p>
-            <a:pPr>
-              <a:buFont typeface="Arial" panose="020B0604020202020204" pitchFamily="34" charset="0"/>
-              <a:buChar char="•"/>
-            </a:pPr>
-            <a:r>
-              <a:rPr lang="en-US" altLang="zh-CN" b="1" dirty="0"/>
-              <a:t>Dashboard</a:t>
-            </a:r>
-            <a:r>
-              <a:rPr lang="zh-CN" altLang="en-US" b="1" dirty="0"/>
-              <a:t> </a:t>
-            </a:r>
-            <a:r>
-              <a:rPr lang="en-US" altLang="zh-CN" b="1" dirty="0"/>
-              <a:t>3:</a:t>
-            </a:r>
-            <a:r>
-              <a:rPr lang="zh-CN" altLang="en-US" b="1" dirty="0"/>
-              <a:t> </a:t>
-            </a:r>
-            <a:r>
-              <a:rPr lang="en-US" altLang="zh-CN" b="1" dirty="0"/>
-              <a:t>(to</a:t>
-            </a:r>
-            <a:r>
-              <a:rPr lang="zh-CN" altLang="en-US" b="1" dirty="0"/>
-              <a:t> </a:t>
-            </a:r>
-            <a:r>
-              <a:rPr lang="en-US" altLang="zh-CN" b="1" dirty="0"/>
-              <a:t>be</a:t>
-            </a:r>
-            <a:r>
-              <a:rPr lang="zh-CN" altLang="en-US" b="1" dirty="0"/>
-              <a:t> </a:t>
-            </a:r>
-            <a:r>
-              <a:rPr lang="en-US" altLang="zh-CN" b="1" dirty="0"/>
-              <a:t>completed)</a:t>
-            </a:r>
-          </a:p>
-          <a:p>
-            <a:pPr>
-              <a:buFont typeface="Arial" panose="020B0604020202020204" pitchFamily="34" charset="0"/>
-              <a:buChar char="•"/>
-            </a:pPr>
-            <a:r>
-              <a:rPr lang="en-US" b="1" dirty="0"/>
-              <a:t>Explicit songs tend to have slightly higher popularity on average</a:t>
-            </a:r>
-            <a:endParaRPr lang="en-US" dirty="0"/>
-          </a:p>
-          <a:p>
-            <a:pPr>
-              <a:buFont typeface="Arial" panose="020B0604020202020204" pitchFamily="34" charset="0"/>
-              <a:buChar char="•"/>
-            </a:pPr>
-            <a:r>
-              <a:rPr lang="en-US" b="1" dirty="0"/>
-              <a:t>Interactive dashboards and parameter controls empower deeper user insight</a:t>
-            </a:r>
-            <a:endParaRPr lang="en-US" dirty="0"/>
-          </a:p>
-          <a:p>
-            <a:endParaRPr lang="en-CN" dirty="0"/>
           </a:p>
         </p:txBody>
       </p:sp>
